--- a/June_Batch/20-06-22-IMG-FORMATTING-SEMANTIC-LIST/html_20_06_22.pptx
+++ b/June_Batch/20-06-22-IMG-FORMATTING-SEMANTIC-LIST/html_20_06_22.pptx
@@ -8,49 +8,50 @@
     <p:sldId id="289" r:id="rId2"/>
     <p:sldId id="411" r:id="rId3"/>
     <p:sldId id="413" r:id="rId4"/>
-    <p:sldId id="417" r:id="rId5"/>
-    <p:sldId id="418" r:id="rId6"/>
-    <p:sldId id="419" r:id="rId7"/>
-    <p:sldId id="420" r:id="rId8"/>
-    <p:sldId id="421" r:id="rId9"/>
-    <p:sldId id="422" r:id="rId10"/>
-    <p:sldId id="429" r:id="rId11"/>
-    <p:sldId id="433" r:id="rId12"/>
-    <p:sldId id="434" r:id="rId13"/>
-    <p:sldId id="435" r:id="rId14"/>
-    <p:sldId id="436" r:id="rId15"/>
-    <p:sldId id="437" r:id="rId16"/>
-    <p:sldId id="438" r:id="rId17"/>
-    <p:sldId id="439" r:id="rId18"/>
-    <p:sldId id="384" r:id="rId19"/>
-    <p:sldId id="376" r:id="rId20"/>
-    <p:sldId id="385" r:id="rId21"/>
-    <p:sldId id="386" r:id="rId22"/>
-    <p:sldId id="387" r:id="rId23"/>
-    <p:sldId id="388" r:id="rId24"/>
-    <p:sldId id="428" r:id="rId25"/>
-    <p:sldId id="389" r:id="rId26"/>
-    <p:sldId id="432" r:id="rId27"/>
-    <p:sldId id="452" r:id="rId28"/>
-    <p:sldId id="423" r:id="rId29"/>
-    <p:sldId id="424" r:id="rId30"/>
-    <p:sldId id="425" r:id="rId31"/>
-    <p:sldId id="440" r:id="rId32"/>
-    <p:sldId id="441" r:id="rId33"/>
-    <p:sldId id="442" r:id="rId34"/>
-    <p:sldId id="426" r:id="rId35"/>
-    <p:sldId id="427" r:id="rId36"/>
-    <p:sldId id="443" r:id="rId37"/>
-    <p:sldId id="430" r:id="rId38"/>
-    <p:sldId id="431" r:id="rId39"/>
-    <p:sldId id="444" r:id="rId40"/>
-    <p:sldId id="445" r:id="rId41"/>
-    <p:sldId id="446" r:id="rId42"/>
-    <p:sldId id="447" r:id="rId43"/>
-    <p:sldId id="448" r:id="rId44"/>
-    <p:sldId id="449" r:id="rId45"/>
-    <p:sldId id="450" r:id="rId46"/>
-    <p:sldId id="451" r:id="rId47"/>
+    <p:sldId id="453" r:id="rId5"/>
+    <p:sldId id="417" r:id="rId6"/>
+    <p:sldId id="418" r:id="rId7"/>
+    <p:sldId id="419" r:id="rId8"/>
+    <p:sldId id="420" r:id="rId9"/>
+    <p:sldId id="421" r:id="rId10"/>
+    <p:sldId id="422" r:id="rId11"/>
+    <p:sldId id="429" r:id="rId12"/>
+    <p:sldId id="433" r:id="rId13"/>
+    <p:sldId id="434" r:id="rId14"/>
+    <p:sldId id="435" r:id="rId15"/>
+    <p:sldId id="436" r:id="rId16"/>
+    <p:sldId id="437" r:id="rId17"/>
+    <p:sldId id="438" r:id="rId18"/>
+    <p:sldId id="439" r:id="rId19"/>
+    <p:sldId id="384" r:id="rId20"/>
+    <p:sldId id="376" r:id="rId21"/>
+    <p:sldId id="385" r:id="rId22"/>
+    <p:sldId id="386" r:id="rId23"/>
+    <p:sldId id="387" r:id="rId24"/>
+    <p:sldId id="388" r:id="rId25"/>
+    <p:sldId id="428" r:id="rId26"/>
+    <p:sldId id="389" r:id="rId27"/>
+    <p:sldId id="432" r:id="rId28"/>
+    <p:sldId id="452" r:id="rId29"/>
+    <p:sldId id="423" r:id="rId30"/>
+    <p:sldId id="424" r:id="rId31"/>
+    <p:sldId id="425" r:id="rId32"/>
+    <p:sldId id="440" r:id="rId33"/>
+    <p:sldId id="441" r:id="rId34"/>
+    <p:sldId id="442" r:id="rId35"/>
+    <p:sldId id="426" r:id="rId36"/>
+    <p:sldId id="427" r:id="rId37"/>
+    <p:sldId id="443" r:id="rId38"/>
+    <p:sldId id="430" r:id="rId39"/>
+    <p:sldId id="431" r:id="rId40"/>
+    <p:sldId id="444" r:id="rId41"/>
+    <p:sldId id="445" r:id="rId42"/>
+    <p:sldId id="446" r:id="rId43"/>
+    <p:sldId id="447" r:id="rId44"/>
+    <p:sldId id="448" r:id="rId45"/>
+    <p:sldId id="449" r:id="rId46"/>
+    <p:sldId id="450" r:id="rId47"/>
+    <p:sldId id="451" r:id="rId48"/>
   </p:sldIdLst>
   <p:sldSz cx="12192000" cy="6858000"/>
   <p:notesSz cx="6858000" cy="9144000"/>
@@ -151,7 +152,7 @@
   </p:defaultTextStyle>
   <p:extLst>
     <p:ext uri="{EFAFB233-063F-42B5-8137-9DF3F51BA10A}">
-      <p15:sldGuideLst xmlns:p15="http://schemas.microsoft.com/office/powerpoint/2012/main" xmlns="">
+      <p15:sldGuideLst xmlns="" xmlns:p15="http://schemas.microsoft.com/office/powerpoint/2012/main">
         <p15:guide id="1" orient="horz" pos="2160">
           <p15:clr>
             <a:srgbClr val="A4A3A4"/>
@@ -352,7 +353,7 @@
     </p:spTree>
     <p:extLst>
       <p:ext uri="{BB962C8B-B14F-4D97-AF65-F5344CB8AC3E}">
-        <p14:creationId xmlns:p14="http://schemas.microsoft.com/office/powerpoint/2010/main" xmlns="" val="3096064434"/>
+        <p14:creationId xmlns="" xmlns:p14="http://schemas.microsoft.com/office/powerpoint/2010/main" val="3096064434"/>
       </p:ext>
     </p:extLst>
   </p:cSld>
@@ -524,7 +525,7 @@
     </p:spTree>
     <p:extLst>
       <p:ext uri="{BB962C8B-B14F-4D97-AF65-F5344CB8AC3E}">
-        <p14:creationId xmlns:p14="http://schemas.microsoft.com/office/powerpoint/2010/main" xmlns="" val="71407721"/>
+        <p14:creationId xmlns="" xmlns:p14="http://schemas.microsoft.com/office/powerpoint/2010/main" val="71407721"/>
       </p:ext>
     </p:extLst>
   </p:cSld>
@@ -706,7 +707,7 @@
     </p:spTree>
     <p:extLst>
       <p:ext uri="{BB962C8B-B14F-4D97-AF65-F5344CB8AC3E}">
-        <p14:creationId xmlns:p14="http://schemas.microsoft.com/office/powerpoint/2010/main" xmlns="" val="3852493858"/>
+        <p14:creationId xmlns="" xmlns:p14="http://schemas.microsoft.com/office/powerpoint/2010/main" val="3852493858"/>
       </p:ext>
     </p:extLst>
   </p:cSld>
@@ -878,7 +879,7 @@
     </p:spTree>
     <p:extLst>
       <p:ext uri="{BB962C8B-B14F-4D97-AF65-F5344CB8AC3E}">
-        <p14:creationId xmlns:p14="http://schemas.microsoft.com/office/powerpoint/2010/main" xmlns="" val="282795843"/>
+        <p14:creationId xmlns="" xmlns:p14="http://schemas.microsoft.com/office/powerpoint/2010/main" val="282795843"/>
       </p:ext>
     </p:extLst>
   </p:cSld>
@@ -1126,7 +1127,7 @@
     </p:spTree>
     <p:extLst>
       <p:ext uri="{BB962C8B-B14F-4D97-AF65-F5344CB8AC3E}">
-        <p14:creationId xmlns:p14="http://schemas.microsoft.com/office/powerpoint/2010/main" xmlns="" val="1315004973"/>
+        <p14:creationId xmlns="" xmlns:p14="http://schemas.microsoft.com/office/powerpoint/2010/main" val="1315004973"/>
       </p:ext>
     </p:extLst>
   </p:cSld>
@@ -1360,7 +1361,7 @@
     </p:spTree>
     <p:extLst>
       <p:ext uri="{BB962C8B-B14F-4D97-AF65-F5344CB8AC3E}">
-        <p14:creationId xmlns:p14="http://schemas.microsoft.com/office/powerpoint/2010/main" xmlns="" val="3048296005"/>
+        <p14:creationId xmlns="" xmlns:p14="http://schemas.microsoft.com/office/powerpoint/2010/main" val="3048296005"/>
       </p:ext>
     </p:extLst>
   </p:cSld>
@@ -1729,7 +1730,7 @@
     </p:spTree>
     <p:extLst>
       <p:ext uri="{BB962C8B-B14F-4D97-AF65-F5344CB8AC3E}">
-        <p14:creationId xmlns:p14="http://schemas.microsoft.com/office/powerpoint/2010/main" xmlns="" val="890299385"/>
+        <p14:creationId xmlns="" xmlns:p14="http://schemas.microsoft.com/office/powerpoint/2010/main" val="890299385"/>
       </p:ext>
     </p:extLst>
   </p:cSld>
@@ -1849,7 +1850,7 @@
     </p:spTree>
     <p:extLst>
       <p:ext uri="{BB962C8B-B14F-4D97-AF65-F5344CB8AC3E}">
-        <p14:creationId xmlns:p14="http://schemas.microsoft.com/office/powerpoint/2010/main" xmlns="" val="2049573599"/>
+        <p14:creationId xmlns="" xmlns:p14="http://schemas.microsoft.com/office/powerpoint/2010/main" val="2049573599"/>
       </p:ext>
     </p:extLst>
   </p:cSld>
@@ -1946,7 +1947,7 @@
     </p:spTree>
     <p:extLst>
       <p:ext uri="{BB962C8B-B14F-4D97-AF65-F5344CB8AC3E}">
-        <p14:creationId xmlns:p14="http://schemas.microsoft.com/office/powerpoint/2010/main" xmlns="" val="1896888541"/>
+        <p14:creationId xmlns="" xmlns:p14="http://schemas.microsoft.com/office/powerpoint/2010/main" val="1896888541"/>
       </p:ext>
     </p:extLst>
   </p:cSld>
@@ -2225,7 +2226,7 @@
     </p:spTree>
     <p:extLst>
       <p:ext uri="{BB962C8B-B14F-4D97-AF65-F5344CB8AC3E}">
-        <p14:creationId xmlns:p14="http://schemas.microsoft.com/office/powerpoint/2010/main" xmlns="" val="1581260034"/>
+        <p14:creationId xmlns="" xmlns:p14="http://schemas.microsoft.com/office/powerpoint/2010/main" val="1581260034"/>
       </p:ext>
     </p:extLst>
   </p:cSld>
@@ -2484,7 +2485,7 @@
     </p:spTree>
     <p:extLst>
       <p:ext uri="{BB962C8B-B14F-4D97-AF65-F5344CB8AC3E}">
-        <p14:creationId xmlns:p14="http://schemas.microsoft.com/office/powerpoint/2010/main" xmlns="" val="2397771766"/>
+        <p14:creationId xmlns="" xmlns:p14="http://schemas.microsoft.com/office/powerpoint/2010/main" val="2397771766"/>
       </p:ext>
     </p:extLst>
   </p:cSld>
@@ -2737,7 +2738,7 @@
           <p:cNvPr id="7" name="TextBox 6">
             <a:extLst>
               <a:ext uri="{FF2B5EF4-FFF2-40B4-BE49-F238E27FC236}">
-                <a16:creationId xmlns:a16="http://schemas.microsoft.com/office/drawing/2014/main" xmlns="" id="{847969B0-9AAB-4EBF-AF99-17A470D83F03}"/>
+                <a16:creationId xmlns="" xmlns:a16="http://schemas.microsoft.com/office/drawing/2014/main" id="{847969B0-9AAB-4EBF-AF99-17A470D83F03}"/>
               </a:ext>
             </a:extLst>
           </p:cNvPr>
@@ -2784,7 +2785,7 @@
     </p:spTree>
     <p:extLst>
       <p:ext uri="{BB962C8B-B14F-4D97-AF65-F5344CB8AC3E}">
-        <p14:creationId xmlns:p14="http://schemas.microsoft.com/office/powerpoint/2010/main" xmlns="" val="492407304"/>
+        <p14:creationId xmlns="" xmlns:p14="http://schemas.microsoft.com/office/powerpoint/2010/main" val="492407304"/>
       </p:ext>
     </p:extLst>
   </p:cSld>
@@ -3232,7 +3233,7 @@
     </p:spTree>
     <p:extLst>
       <p:ext uri="{BB962C8B-B14F-4D97-AF65-F5344CB8AC3E}">
-        <p14:creationId xmlns:p14="http://schemas.microsoft.com/office/powerpoint/2010/main" xmlns="" val="4062787881"/>
+        <p14:creationId xmlns="" xmlns:p14="http://schemas.microsoft.com/office/powerpoint/2010/main" val="4062787881"/>
       </p:ext>
     </p:extLst>
   </p:cSld>
@@ -3250,6 +3251,106 @@
 </file>
 
 <file path=ppt/slides/slide10.xml><?xml version="1.0" encoding="utf-8"?>
+<p:sld xmlns:a="http://schemas.openxmlformats.org/drawingml/2006/main" xmlns:r="http://schemas.openxmlformats.org/officeDocument/2006/relationships" xmlns:p="http://schemas.openxmlformats.org/presentationml/2006/main">
+  <p:cSld>
+    <p:spTree>
+      <p:nvGrpSpPr>
+        <p:cNvPr id="1" name=""/>
+        <p:cNvGrpSpPr/>
+        <p:nvPr/>
+      </p:nvGrpSpPr>
+      <p:grpSpPr>
+        <a:xfrm>
+          <a:off x="0" y="0"/>
+          <a:ext cx="0" cy="0"/>
+          <a:chOff x="0" y="0"/>
+          <a:chExt cx="0" cy="0"/>
+        </a:xfrm>
+      </p:grpSpPr>
+      <p:sp>
+        <p:nvSpPr>
+          <p:cNvPr id="2" name="Title 1"/>
+          <p:cNvSpPr>
+            <a:spLocks noGrp="1"/>
+          </p:cNvSpPr>
+          <p:nvPr>
+            <p:ph type="title"/>
+          </p:nvPr>
+        </p:nvSpPr>
+        <p:spPr/>
+        <p:txBody>
+          <a:bodyPr/>
+          <a:lstStyle/>
+          <a:p>
+            <a:r>
+              <a:rPr lang="en-US" dirty="0" smtClean="0"/>
+              <a:t>Question</a:t>
+            </a:r>
+            <a:endParaRPr lang="en-US" dirty="0"/>
+          </a:p>
+        </p:txBody>
+      </p:sp>
+      <p:sp>
+        <p:nvSpPr>
+          <p:cNvPr id="3" name="Content Placeholder 2"/>
+          <p:cNvSpPr>
+            <a:spLocks noGrp="1"/>
+          </p:cNvSpPr>
+          <p:nvPr>
+            <p:ph idx="1"/>
+          </p:nvPr>
+        </p:nvSpPr>
+        <p:spPr/>
+        <p:txBody>
+          <a:bodyPr/>
+          <a:lstStyle/>
+          <a:p>
+            <a:endParaRPr lang="en-US"/>
+          </a:p>
+        </p:txBody>
+      </p:sp>
+      <p:pic>
+        <p:nvPicPr>
+          <p:cNvPr id="57346" name="Picture 2"/>
+          <p:cNvPicPr>
+            <a:picLocks noChangeAspect="1" noChangeArrowheads="1"/>
+          </p:cNvPicPr>
+          <p:nvPr/>
+        </p:nvPicPr>
+        <p:blipFill>
+          <a:blip r:embed="rId2"/>
+          <a:srcRect/>
+          <a:stretch>
+            <a:fillRect/>
+          </a:stretch>
+        </p:blipFill>
+        <p:spPr bwMode="auto">
+          <a:xfrm>
+            <a:off x="685800" y="1800496"/>
+            <a:ext cx="8327572" cy="3725092"/>
+          </a:xfrm>
+          <a:prstGeom prst="rect">
+            <a:avLst/>
+          </a:prstGeom>
+          <a:noFill/>
+          <a:ln w="9525">
+            <a:noFill/>
+            <a:miter lim="800000"/>
+            <a:headEnd/>
+            <a:tailEnd/>
+          </a:ln>
+          <a:effectLst/>
+        </p:spPr>
+      </p:pic>
+    </p:spTree>
+  </p:cSld>
+  <p:clrMapOvr>
+    <a:masterClrMapping/>
+  </p:clrMapOvr>
+</p:sld>
+</file>
+
+<file path=ppt/slides/slide11.xml><?xml version="1.0" encoding="utf-8"?>
 <p:sld xmlns:a="http://schemas.openxmlformats.org/drawingml/2006/main" xmlns:r="http://schemas.openxmlformats.org/officeDocument/2006/relationships" xmlns:p="http://schemas.openxmlformats.org/presentationml/2006/main">
   <p:cSld>
     <p:spTree>
@@ -3349,7 +3450,7 @@
 </p:sld>
 </file>
 
-<file path=ppt/slides/slide11.xml><?xml version="1.0" encoding="utf-8"?>
+<file path=ppt/slides/slide12.xml><?xml version="1.0" encoding="utf-8"?>
 <p:sld xmlns:a="http://schemas.openxmlformats.org/drawingml/2006/main" xmlns:r="http://schemas.openxmlformats.org/officeDocument/2006/relationships" xmlns:p="http://schemas.openxmlformats.org/presentationml/2006/main">
   <p:cSld>
     <p:spTree>
@@ -3449,89 +3550,6 @@
 </p:sld>
 </file>
 
-<file path=ppt/slides/slide12.xml><?xml version="1.0" encoding="utf-8"?>
-<p:sld xmlns:a="http://schemas.openxmlformats.org/drawingml/2006/main" xmlns:r="http://schemas.openxmlformats.org/officeDocument/2006/relationships" xmlns:p="http://schemas.openxmlformats.org/presentationml/2006/main">
-  <p:cSld>
-    <p:spTree>
-      <p:nvGrpSpPr>
-        <p:cNvPr id="1" name=""/>
-        <p:cNvGrpSpPr/>
-        <p:nvPr/>
-      </p:nvGrpSpPr>
-      <p:grpSpPr>
-        <a:xfrm>
-          <a:off x="0" y="0"/>
-          <a:ext cx="0" cy="0"/>
-          <a:chOff x="0" y="0"/>
-          <a:chExt cx="0" cy="0"/>
-        </a:xfrm>
-      </p:grpSpPr>
-      <p:sp>
-        <p:nvSpPr>
-          <p:cNvPr id="2" name="Title 1"/>
-          <p:cNvSpPr>
-            <a:spLocks noGrp="1"/>
-          </p:cNvSpPr>
-          <p:nvPr>
-            <p:ph type="title"/>
-          </p:nvPr>
-        </p:nvSpPr>
-        <p:spPr/>
-        <p:txBody>
-          <a:bodyPr/>
-          <a:lstStyle/>
-          <a:p>
-            <a:r>
-              <a:rPr lang="en-IN" dirty="0" smtClean="0"/>
-              <a:t>Question</a:t>
-            </a:r>
-            <a:endParaRPr lang="en-US" dirty="0"/>
-          </a:p>
-        </p:txBody>
-      </p:sp>
-      <p:pic>
-        <p:nvPicPr>
-          <p:cNvPr id="2050" name="Picture 2"/>
-          <p:cNvPicPr>
-            <a:picLocks noGrp="1" noChangeAspect="1" noChangeArrowheads="1"/>
-          </p:cNvPicPr>
-          <p:nvPr>
-            <p:ph idx="1"/>
-          </p:nvPr>
-        </p:nvPicPr>
-        <p:blipFill>
-          <a:blip r:embed="rId2"/>
-          <a:srcRect/>
-          <a:stretch>
-            <a:fillRect/>
-          </a:stretch>
-        </p:blipFill>
-        <p:spPr bwMode="auto">
-          <a:xfrm>
-            <a:off x="1133883" y="1857488"/>
-            <a:ext cx="6272757" cy="2296501"/>
-          </a:xfrm>
-          <a:prstGeom prst="rect">
-            <a:avLst/>
-          </a:prstGeom>
-          <a:noFill/>
-          <a:ln w="9525">
-            <a:noFill/>
-            <a:miter lim="800000"/>
-            <a:headEnd/>
-            <a:tailEnd/>
-          </a:ln>
-          <a:effectLst/>
-        </p:spPr>
-      </p:pic>
-    </p:spTree>
-  </p:cSld>
-  <p:clrMapOvr>
-    <a:masterClrMapping/>
-  </p:clrMapOvr>
-</p:sld>
-</file>
-
 <file path=ppt/slides/slide13.xml><?xml version="1.0" encoding="utf-8"?>
 <p:sld xmlns:a="http://schemas.openxmlformats.org/drawingml/2006/main" xmlns:r="http://schemas.openxmlformats.org/officeDocument/2006/relationships" xmlns:p="http://schemas.openxmlformats.org/presentationml/2006/main">
   <p:cSld>
@@ -3574,7 +3592,7 @@
       </p:sp>
       <p:pic>
         <p:nvPicPr>
-          <p:cNvPr id="3074" name="Picture 2"/>
+          <p:cNvPr id="2050" name="Picture 2"/>
           <p:cNvPicPr>
             <a:picLocks noGrp="1" noChangeAspect="1" noChangeArrowheads="1"/>
           </p:cNvPicPr>
@@ -3591,8 +3609,8 @@
         </p:blipFill>
         <p:spPr bwMode="auto">
           <a:xfrm>
-            <a:off x="828266" y="1541667"/>
-            <a:ext cx="8407174" cy="1946116"/>
+            <a:off x="1133883" y="1857488"/>
+            <a:ext cx="6272757" cy="2296501"/>
           </a:xfrm>
           <a:prstGeom prst="rect">
             <a:avLst/>
@@ -3657,7 +3675,7 @@
       </p:sp>
       <p:pic>
         <p:nvPicPr>
-          <p:cNvPr id="4098" name="Picture 2"/>
+          <p:cNvPr id="3074" name="Picture 2"/>
           <p:cNvPicPr>
             <a:picLocks noGrp="1" noChangeAspect="1" noChangeArrowheads="1"/>
           </p:cNvPicPr>
@@ -3674,8 +3692,8 @@
         </p:blipFill>
         <p:spPr bwMode="auto">
           <a:xfrm>
-            <a:off x="1057547" y="1782649"/>
-            <a:ext cx="6701790" cy="1509191"/>
+            <a:off x="828266" y="1541667"/>
+            <a:ext cx="8407174" cy="1946116"/>
           </a:xfrm>
           <a:prstGeom prst="rect">
             <a:avLst/>
@@ -3740,7 +3758,7 @@
       </p:sp>
       <p:pic>
         <p:nvPicPr>
-          <p:cNvPr id="5122" name="Picture 2"/>
+          <p:cNvPr id="4098" name="Picture 2"/>
           <p:cNvPicPr>
             <a:picLocks noGrp="1" noChangeAspect="1" noChangeArrowheads="1"/>
           </p:cNvPicPr>
@@ -3757,8 +3775,8 @@
         </p:blipFill>
         <p:spPr bwMode="auto">
           <a:xfrm>
-            <a:off x="1126535" y="2161472"/>
-            <a:ext cx="6476048" cy="1848825"/>
+            <a:off x="1057547" y="1782649"/>
+            <a:ext cx="6701790" cy="1509191"/>
           </a:xfrm>
           <a:prstGeom prst="rect">
             <a:avLst/>
@@ -3823,7 +3841,7 @@
       </p:sp>
       <p:pic>
         <p:nvPicPr>
-          <p:cNvPr id="6146" name="Picture 2"/>
+          <p:cNvPr id="5122" name="Picture 2"/>
           <p:cNvPicPr>
             <a:picLocks noGrp="1" noChangeAspect="1" noChangeArrowheads="1"/>
           </p:cNvPicPr>
@@ -3840,8 +3858,8 @@
         </p:blipFill>
         <p:spPr bwMode="auto">
           <a:xfrm>
-            <a:off x="1185045" y="1847827"/>
-            <a:ext cx="8024269" cy="2985429"/>
+            <a:off x="1126535" y="2161472"/>
+            <a:ext cx="6476048" cy="1848825"/>
           </a:xfrm>
           <a:prstGeom prst="rect">
             <a:avLst/>
@@ -3906,6 +3924,89 @@
       </p:sp>
       <p:pic>
         <p:nvPicPr>
+          <p:cNvPr id="6146" name="Picture 2"/>
+          <p:cNvPicPr>
+            <a:picLocks noGrp="1" noChangeAspect="1" noChangeArrowheads="1"/>
+          </p:cNvPicPr>
+          <p:nvPr>
+            <p:ph idx="1"/>
+          </p:nvPr>
+        </p:nvPicPr>
+        <p:blipFill>
+          <a:blip r:embed="rId2"/>
+          <a:srcRect/>
+          <a:stretch>
+            <a:fillRect/>
+          </a:stretch>
+        </p:blipFill>
+        <p:spPr bwMode="auto">
+          <a:xfrm>
+            <a:off x="1185045" y="1847827"/>
+            <a:ext cx="8024269" cy="2985429"/>
+          </a:xfrm>
+          <a:prstGeom prst="rect">
+            <a:avLst/>
+          </a:prstGeom>
+          <a:noFill/>
+          <a:ln w="9525">
+            <a:noFill/>
+            <a:miter lim="800000"/>
+            <a:headEnd/>
+            <a:tailEnd/>
+          </a:ln>
+          <a:effectLst/>
+        </p:spPr>
+      </p:pic>
+    </p:spTree>
+  </p:cSld>
+  <p:clrMapOvr>
+    <a:masterClrMapping/>
+  </p:clrMapOvr>
+</p:sld>
+</file>
+
+<file path=ppt/slides/slide18.xml><?xml version="1.0" encoding="utf-8"?>
+<p:sld xmlns:a="http://schemas.openxmlformats.org/drawingml/2006/main" xmlns:r="http://schemas.openxmlformats.org/officeDocument/2006/relationships" xmlns:p="http://schemas.openxmlformats.org/presentationml/2006/main">
+  <p:cSld>
+    <p:spTree>
+      <p:nvGrpSpPr>
+        <p:cNvPr id="1" name=""/>
+        <p:cNvGrpSpPr/>
+        <p:nvPr/>
+      </p:nvGrpSpPr>
+      <p:grpSpPr>
+        <a:xfrm>
+          <a:off x="0" y="0"/>
+          <a:ext cx="0" cy="0"/>
+          <a:chOff x="0" y="0"/>
+          <a:chExt cx="0" cy="0"/>
+        </a:xfrm>
+      </p:grpSpPr>
+      <p:sp>
+        <p:nvSpPr>
+          <p:cNvPr id="2" name="Title 1"/>
+          <p:cNvSpPr>
+            <a:spLocks noGrp="1"/>
+          </p:cNvSpPr>
+          <p:nvPr>
+            <p:ph type="title"/>
+          </p:nvPr>
+        </p:nvSpPr>
+        <p:spPr/>
+        <p:txBody>
+          <a:bodyPr/>
+          <a:lstStyle/>
+          <a:p>
+            <a:r>
+              <a:rPr lang="en-IN" dirty="0" smtClean="0"/>
+              <a:t>Question</a:t>
+            </a:r>
+            <a:endParaRPr lang="en-US" dirty="0"/>
+          </a:p>
+        </p:txBody>
+      </p:sp>
+      <p:pic>
+        <p:nvPicPr>
           <p:cNvPr id="7170" name="Picture 2"/>
           <p:cNvPicPr>
             <a:picLocks noGrp="1" noChangeAspect="1" noChangeArrowheads="1"/>
@@ -3947,7 +4048,7 @@
 </p:sld>
 </file>
 
-<file path=ppt/slides/slide18.xml><?xml version="1.0" encoding="utf-8"?>
+<file path=ppt/slides/slide19.xml><?xml version="1.0" encoding="utf-8"?>
 <p:sld xmlns:a="http://schemas.openxmlformats.org/drawingml/2006/main" xmlns:r="http://schemas.openxmlformats.org/officeDocument/2006/relationships" xmlns:p="http://schemas.openxmlformats.org/presentationml/2006/main">
   <p:cSld>
     <p:spTree>
@@ -4063,7 +4164,152 @@
 </p:sld>
 </file>
 
-<file path=ppt/slides/slide19.xml><?xml version="1.0" encoding="utf-8"?>
+<file path=ppt/slides/slide2.xml><?xml version="1.0" encoding="utf-8"?>
+<p:sld xmlns:a="http://schemas.openxmlformats.org/drawingml/2006/main" xmlns:r="http://schemas.openxmlformats.org/officeDocument/2006/relationships" xmlns:p="http://schemas.openxmlformats.org/presentationml/2006/main">
+  <p:cSld>
+    <p:spTree>
+      <p:nvGrpSpPr>
+        <p:cNvPr id="1" name=""/>
+        <p:cNvGrpSpPr/>
+        <p:nvPr/>
+      </p:nvGrpSpPr>
+      <p:grpSpPr>
+        <a:xfrm>
+          <a:off x="0" y="0"/>
+          <a:ext cx="0" cy="0"/>
+          <a:chOff x="0" y="0"/>
+          <a:chExt cx="0" cy="0"/>
+        </a:xfrm>
+      </p:grpSpPr>
+      <p:sp>
+        <p:nvSpPr>
+          <p:cNvPr id="2" name="Title 1"/>
+          <p:cNvSpPr>
+            <a:spLocks noGrp="1"/>
+          </p:cNvSpPr>
+          <p:nvPr>
+            <p:ph type="title"/>
+          </p:nvPr>
+        </p:nvSpPr>
+        <p:spPr/>
+        <p:txBody>
+          <a:bodyPr/>
+          <a:lstStyle/>
+          <a:p>
+            <a:r>
+              <a:rPr lang="en-US" dirty="0" smtClean="0"/>
+              <a:t>Image</a:t>
+            </a:r>
+            <a:endParaRPr lang="en-US" dirty="0"/>
+          </a:p>
+        </p:txBody>
+      </p:sp>
+      <p:sp>
+        <p:nvSpPr>
+          <p:cNvPr id="3" name="Content Placeholder 2"/>
+          <p:cNvSpPr>
+            <a:spLocks noGrp="1"/>
+          </p:cNvSpPr>
+          <p:nvPr>
+            <p:ph idx="1"/>
+          </p:nvPr>
+        </p:nvSpPr>
+        <p:spPr>
+          <a:xfrm>
+            <a:off x="838200" y="1825625"/>
+            <a:ext cx="10709366" cy="4744992"/>
+          </a:xfrm>
+        </p:spPr>
+        <p:txBody>
+          <a:bodyPr>
+            <a:normAutofit fontScale="92500"/>
+          </a:bodyPr>
+          <a:lstStyle/>
+          <a:p>
+            <a:pPr marL="285750" indent="-285750">
+              <a:lnSpc>
+                <a:spcPct val="150000"/>
+              </a:lnSpc>
+            </a:pPr>
+            <a:r>
+              <a:rPr lang="en-US" altLang="ja-JP" b="1" u="sng" dirty="0" smtClean="0"/>
+              <a:t>HTML Images</a:t>
+            </a:r>
+          </a:p>
+          <a:p>
+            <a:pPr marL="285750" lvl="0" indent="-285750">
+              <a:lnSpc>
+                <a:spcPct val="150000"/>
+              </a:lnSpc>
+            </a:pPr>
+            <a:r>
+              <a:rPr lang="en-US" altLang="ja-JP" dirty="0" smtClean="0"/>
+              <a:t>Use the HTML &lt;</a:t>
+            </a:r>
+            <a:r>
+              <a:rPr lang="en-US" altLang="ja-JP" dirty="0" err="1" smtClean="0"/>
+              <a:t>img</a:t>
+            </a:r>
+            <a:r>
+              <a:rPr lang="en-US" altLang="ja-JP" dirty="0" smtClean="0"/>
+              <a:t>&gt; element to define an image.</a:t>
+            </a:r>
+          </a:p>
+          <a:p>
+            <a:pPr marL="285750" lvl="0" indent="-285750">
+              <a:lnSpc>
+                <a:spcPct val="150000"/>
+              </a:lnSpc>
+            </a:pPr>
+            <a:r>
+              <a:rPr lang="en-US" altLang="ja-JP" dirty="0" smtClean="0"/>
+              <a:t>Use the HTML </a:t>
+            </a:r>
+            <a:r>
+              <a:rPr lang="en-US" altLang="ja-JP" dirty="0" err="1" smtClean="0"/>
+              <a:t>src</a:t>
+            </a:r>
+            <a:r>
+              <a:rPr lang="en-US" altLang="ja-JP" dirty="0" smtClean="0"/>
+              <a:t> attribute to define the URL of the image.</a:t>
+            </a:r>
+          </a:p>
+          <a:p>
+            <a:pPr marL="285750" lvl="0" indent="-285750">
+              <a:lnSpc>
+                <a:spcPct val="150000"/>
+              </a:lnSpc>
+            </a:pPr>
+            <a:r>
+              <a:rPr lang="en-US" altLang="ja-JP" dirty="0" smtClean="0"/>
+              <a:t>Use the HTML alt attribute to define an alternate text for an image, if it cannot be displayed.</a:t>
+            </a:r>
+          </a:p>
+          <a:p>
+            <a:pPr marL="285750" lvl="0" indent="-285750">
+              <a:lnSpc>
+                <a:spcPct val="150000"/>
+              </a:lnSpc>
+            </a:pPr>
+            <a:r>
+              <a:rPr lang="en-US" altLang="ja-JP" dirty="0" smtClean="0"/>
+              <a:t>Use the HTML width and height attributes to define the size of the image</a:t>
+            </a:r>
+          </a:p>
+          <a:p>
+            <a:endParaRPr lang="en-US" dirty="0"/>
+          </a:p>
+        </p:txBody>
+      </p:sp>
+    </p:spTree>
+  </p:cSld>
+  <p:clrMapOvr>
+    <a:masterClrMapping/>
+  </p:clrMapOvr>
+</p:sld>
+</file>
+
+<file path=ppt/slides/slide20.xml><?xml version="1.0" encoding="utf-8"?>
 <p:sld xmlns:a="http://schemas.openxmlformats.org/drawingml/2006/main" xmlns:r="http://schemas.openxmlformats.org/officeDocument/2006/relationships" xmlns:p="http://schemas.openxmlformats.org/presentationml/2006/main">
   <p:cSld>
     <p:spTree>
@@ -4146,152 +4392,7 @@
 </p:sld>
 </file>
 
-<file path=ppt/slides/slide2.xml><?xml version="1.0" encoding="utf-8"?>
-<p:sld xmlns:a="http://schemas.openxmlformats.org/drawingml/2006/main" xmlns:r="http://schemas.openxmlformats.org/officeDocument/2006/relationships" xmlns:p="http://schemas.openxmlformats.org/presentationml/2006/main">
-  <p:cSld>
-    <p:spTree>
-      <p:nvGrpSpPr>
-        <p:cNvPr id="1" name=""/>
-        <p:cNvGrpSpPr/>
-        <p:nvPr/>
-      </p:nvGrpSpPr>
-      <p:grpSpPr>
-        <a:xfrm>
-          <a:off x="0" y="0"/>
-          <a:ext cx="0" cy="0"/>
-          <a:chOff x="0" y="0"/>
-          <a:chExt cx="0" cy="0"/>
-        </a:xfrm>
-      </p:grpSpPr>
-      <p:sp>
-        <p:nvSpPr>
-          <p:cNvPr id="2" name="Title 1"/>
-          <p:cNvSpPr>
-            <a:spLocks noGrp="1"/>
-          </p:cNvSpPr>
-          <p:nvPr>
-            <p:ph type="title"/>
-          </p:nvPr>
-        </p:nvSpPr>
-        <p:spPr/>
-        <p:txBody>
-          <a:bodyPr/>
-          <a:lstStyle/>
-          <a:p>
-            <a:r>
-              <a:rPr lang="en-US" dirty="0" smtClean="0"/>
-              <a:t>Image</a:t>
-            </a:r>
-            <a:endParaRPr lang="en-US" dirty="0"/>
-          </a:p>
-        </p:txBody>
-      </p:sp>
-      <p:sp>
-        <p:nvSpPr>
-          <p:cNvPr id="3" name="Content Placeholder 2"/>
-          <p:cNvSpPr>
-            <a:spLocks noGrp="1"/>
-          </p:cNvSpPr>
-          <p:nvPr>
-            <p:ph idx="1"/>
-          </p:nvPr>
-        </p:nvSpPr>
-        <p:spPr>
-          <a:xfrm>
-            <a:off x="838200" y="1825625"/>
-            <a:ext cx="10709366" cy="4744992"/>
-          </a:xfrm>
-        </p:spPr>
-        <p:txBody>
-          <a:bodyPr>
-            <a:normAutofit fontScale="92500"/>
-          </a:bodyPr>
-          <a:lstStyle/>
-          <a:p>
-            <a:pPr marL="285750" indent="-285750">
-              <a:lnSpc>
-                <a:spcPct val="150000"/>
-              </a:lnSpc>
-            </a:pPr>
-            <a:r>
-              <a:rPr lang="en-US" altLang="ja-JP" b="1" u="sng" dirty="0" smtClean="0"/>
-              <a:t>HTML Images</a:t>
-            </a:r>
-          </a:p>
-          <a:p>
-            <a:pPr marL="285750" lvl="0" indent="-285750">
-              <a:lnSpc>
-                <a:spcPct val="150000"/>
-              </a:lnSpc>
-            </a:pPr>
-            <a:r>
-              <a:rPr lang="en-US" altLang="ja-JP" dirty="0" smtClean="0"/>
-              <a:t>Use the HTML &lt;</a:t>
-            </a:r>
-            <a:r>
-              <a:rPr lang="en-US" altLang="ja-JP" dirty="0" err="1" smtClean="0"/>
-              <a:t>img</a:t>
-            </a:r>
-            <a:r>
-              <a:rPr lang="en-US" altLang="ja-JP" dirty="0" smtClean="0"/>
-              <a:t>&gt; element to define an image.</a:t>
-            </a:r>
-          </a:p>
-          <a:p>
-            <a:pPr marL="285750" lvl="0" indent="-285750">
-              <a:lnSpc>
-                <a:spcPct val="150000"/>
-              </a:lnSpc>
-            </a:pPr>
-            <a:r>
-              <a:rPr lang="en-US" altLang="ja-JP" dirty="0" smtClean="0"/>
-              <a:t>Use the HTML </a:t>
-            </a:r>
-            <a:r>
-              <a:rPr lang="en-US" altLang="ja-JP" dirty="0" err="1" smtClean="0"/>
-              <a:t>src</a:t>
-            </a:r>
-            <a:r>
-              <a:rPr lang="en-US" altLang="ja-JP" dirty="0" smtClean="0"/>
-              <a:t> attribute to define the URL of the image.</a:t>
-            </a:r>
-          </a:p>
-          <a:p>
-            <a:pPr marL="285750" lvl="0" indent="-285750">
-              <a:lnSpc>
-                <a:spcPct val="150000"/>
-              </a:lnSpc>
-            </a:pPr>
-            <a:r>
-              <a:rPr lang="en-US" altLang="ja-JP" dirty="0" smtClean="0"/>
-              <a:t>Use the HTML alt attribute to define an alternate text for an image, if it cannot be displayed.</a:t>
-            </a:r>
-          </a:p>
-          <a:p>
-            <a:pPr marL="285750" lvl="0" indent="-285750">
-              <a:lnSpc>
-                <a:spcPct val="150000"/>
-              </a:lnSpc>
-            </a:pPr>
-            <a:r>
-              <a:rPr lang="en-US" altLang="ja-JP" dirty="0" smtClean="0"/>
-              <a:t>Use the HTML width and height attributes to define the size of the image</a:t>
-            </a:r>
-          </a:p>
-          <a:p>
-            <a:endParaRPr lang="en-US" dirty="0"/>
-          </a:p>
-        </p:txBody>
-      </p:sp>
-    </p:spTree>
-  </p:cSld>
-  <p:clrMapOvr>
-    <a:masterClrMapping/>
-  </p:clrMapOvr>
-</p:sld>
-</file>
-
-<file path=ppt/slides/slide20.xml><?xml version="1.0" encoding="utf-8"?>
+<file path=ppt/slides/slide21.xml><?xml version="1.0" encoding="utf-8"?>
 <p:sld xmlns:a="http://schemas.openxmlformats.org/drawingml/2006/main" xmlns:r="http://schemas.openxmlformats.org/officeDocument/2006/relationships" xmlns:p="http://schemas.openxmlformats.org/presentationml/2006/main">
   <p:cSld>
     <p:spTree>
@@ -4407,7 +4508,7 @@
 </p:sld>
 </file>
 
-<file path=ppt/slides/slide21.xml><?xml version="1.0" encoding="utf-8"?>
+<file path=ppt/slides/slide22.xml><?xml version="1.0" encoding="utf-8"?>
 <p:sld xmlns:a="http://schemas.openxmlformats.org/drawingml/2006/main" xmlns:r="http://schemas.openxmlformats.org/officeDocument/2006/relationships" xmlns:p="http://schemas.openxmlformats.org/presentationml/2006/main">
   <p:cSld>
     <p:spTree>
@@ -4523,7 +4624,7 @@
 </p:sld>
 </file>
 
-<file path=ppt/slides/slide22.xml><?xml version="1.0" encoding="utf-8"?>
+<file path=ppt/slides/slide23.xml><?xml version="1.0" encoding="utf-8"?>
 <p:sld xmlns:a="http://schemas.openxmlformats.org/drawingml/2006/main" xmlns:r="http://schemas.openxmlformats.org/officeDocument/2006/relationships" xmlns:p="http://schemas.openxmlformats.org/presentationml/2006/main">
   <p:cSld>
     <p:spTree>
@@ -4639,7 +4740,7 @@
 </p:sld>
 </file>
 
-<file path=ppt/slides/slide23.xml><?xml version="1.0" encoding="utf-8"?>
+<file path=ppt/slides/slide24.xml><?xml version="1.0" encoding="utf-8"?>
 <p:sld xmlns:a="http://schemas.openxmlformats.org/drawingml/2006/main" xmlns:r="http://schemas.openxmlformats.org/officeDocument/2006/relationships" xmlns:p="http://schemas.openxmlformats.org/presentationml/2006/main">
   <p:cSld>
     <p:spTree>
@@ -4755,7 +4856,7 @@
 </p:sld>
 </file>
 
-<file path=ppt/slides/slide24.xml><?xml version="1.0" encoding="utf-8"?>
+<file path=ppt/slides/slide25.xml><?xml version="1.0" encoding="utf-8"?>
 <p:sld xmlns:a="http://schemas.openxmlformats.org/drawingml/2006/main" xmlns:r="http://schemas.openxmlformats.org/officeDocument/2006/relationships" xmlns:p="http://schemas.openxmlformats.org/presentationml/2006/main">
   <p:cSld>
     <p:spTree>
@@ -4838,7 +4939,7 @@
 </p:sld>
 </file>
 
-<file path=ppt/slides/slide25.xml><?xml version="1.0" encoding="utf-8"?>
+<file path=ppt/slides/slide26.xml><?xml version="1.0" encoding="utf-8"?>
 <p:sld xmlns:a="http://schemas.openxmlformats.org/drawingml/2006/main" xmlns:r="http://schemas.openxmlformats.org/officeDocument/2006/relationships" xmlns:p="http://schemas.openxmlformats.org/presentationml/2006/main">
   <p:cSld>
     <p:spTree>
@@ -4954,7 +5055,7 @@
 </p:sld>
 </file>
 
-<file path=ppt/slides/slide26.xml><?xml version="1.0" encoding="utf-8"?>
+<file path=ppt/slides/slide27.xml><?xml version="1.0" encoding="utf-8"?>
 <p:sld xmlns:a="http://schemas.openxmlformats.org/drawingml/2006/main" xmlns:r="http://schemas.openxmlformats.org/officeDocument/2006/relationships" xmlns:p="http://schemas.openxmlformats.org/presentationml/2006/main">
   <p:cSld>
     <p:spTree>
@@ -5099,7 +5200,7 @@
 </p:sld>
 </file>
 
-<file path=ppt/slides/slide27.xml><?xml version="1.0" encoding="utf-8"?>
+<file path=ppt/slides/slide28.xml><?xml version="1.0" encoding="utf-8"?>
 <p:sld xmlns:a="http://schemas.openxmlformats.org/drawingml/2006/main" xmlns:r="http://schemas.openxmlformats.org/officeDocument/2006/relationships" xmlns:p="http://schemas.openxmlformats.org/presentationml/2006/main">
   <p:cSld>
     <p:spTree>
@@ -5199,7 +5300,7 @@
 </p:sld>
 </file>
 
-<file path=ppt/slides/slide28.xml><?xml version="1.0" encoding="utf-8"?>
+<file path=ppt/slides/slide29.xml><?xml version="1.0" encoding="utf-8"?>
 <p:sld xmlns:a="http://schemas.openxmlformats.org/drawingml/2006/main" xmlns:r="http://schemas.openxmlformats.org/officeDocument/2006/relationships" xmlns:p="http://schemas.openxmlformats.org/presentationml/2006/main">
   <p:cSld>
     <p:spTree>
@@ -5277,89 +5378,6 @@
           <a:xfrm>
             <a:off x="836022" y="1886495"/>
             <a:ext cx="6675120" cy="3234146"/>
-          </a:xfrm>
-          <a:prstGeom prst="rect">
-            <a:avLst/>
-          </a:prstGeom>
-          <a:noFill/>
-          <a:ln w="9525">
-            <a:noFill/>
-            <a:miter lim="800000"/>
-            <a:headEnd/>
-            <a:tailEnd/>
-          </a:ln>
-          <a:effectLst/>
-        </p:spPr>
-      </p:pic>
-    </p:spTree>
-  </p:cSld>
-  <p:clrMapOvr>
-    <a:masterClrMapping/>
-  </p:clrMapOvr>
-</p:sld>
-</file>
-
-<file path=ppt/slides/slide29.xml><?xml version="1.0" encoding="utf-8"?>
-<p:sld xmlns:a="http://schemas.openxmlformats.org/drawingml/2006/main" xmlns:r="http://schemas.openxmlformats.org/officeDocument/2006/relationships" xmlns:p="http://schemas.openxmlformats.org/presentationml/2006/main">
-  <p:cSld>
-    <p:spTree>
-      <p:nvGrpSpPr>
-        <p:cNvPr id="1" name=""/>
-        <p:cNvGrpSpPr/>
-        <p:nvPr/>
-      </p:nvGrpSpPr>
-      <p:grpSpPr>
-        <a:xfrm>
-          <a:off x="0" y="0"/>
-          <a:ext cx="0" cy="0"/>
-          <a:chOff x="0" y="0"/>
-          <a:chExt cx="0" cy="0"/>
-        </a:xfrm>
-      </p:grpSpPr>
-      <p:sp>
-        <p:nvSpPr>
-          <p:cNvPr id="2" name="Title 1"/>
-          <p:cNvSpPr>
-            <a:spLocks noGrp="1"/>
-          </p:cNvSpPr>
-          <p:nvPr>
-            <p:ph type="title"/>
-          </p:nvPr>
-        </p:nvSpPr>
-        <p:spPr/>
-        <p:txBody>
-          <a:bodyPr/>
-          <a:lstStyle/>
-          <a:p>
-            <a:r>
-              <a:rPr lang="en-US" dirty="0" smtClean="0"/>
-              <a:t>Question</a:t>
-            </a:r>
-            <a:endParaRPr lang="en-US" dirty="0"/>
-          </a:p>
-        </p:txBody>
-      </p:sp>
-      <p:pic>
-        <p:nvPicPr>
-          <p:cNvPr id="59394" name="Picture 2"/>
-          <p:cNvPicPr>
-            <a:picLocks noGrp="1" noChangeAspect="1" noChangeArrowheads="1"/>
-          </p:cNvPicPr>
-          <p:nvPr>
-            <p:ph idx="1"/>
-          </p:nvPr>
-        </p:nvPicPr>
-        <p:blipFill>
-          <a:blip r:embed="rId2"/>
-          <a:srcRect/>
-          <a:stretch>
-            <a:fillRect/>
-          </a:stretch>
-        </p:blipFill>
-        <p:spPr bwMode="auto">
-          <a:xfrm>
-            <a:off x="786899" y="1750399"/>
-            <a:ext cx="6097227" cy="2142331"/>
           </a:xfrm>
           <a:prstGeom prst="rect">
             <a:avLst/>
@@ -5581,6 +5599,89 @@
           </a:p>
         </p:txBody>
       </p:sp>
+      <p:pic>
+        <p:nvPicPr>
+          <p:cNvPr id="59394" name="Picture 2"/>
+          <p:cNvPicPr>
+            <a:picLocks noGrp="1" noChangeAspect="1" noChangeArrowheads="1"/>
+          </p:cNvPicPr>
+          <p:nvPr>
+            <p:ph idx="1"/>
+          </p:nvPr>
+        </p:nvPicPr>
+        <p:blipFill>
+          <a:blip r:embed="rId2"/>
+          <a:srcRect/>
+          <a:stretch>
+            <a:fillRect/>
+          </a:stretch>
+        </p:blipFill>
+        <p:spPr bwMode="auto">
+          <a:xfrm>
+            <a:off x="786899" y="1750399"/>
+            <a:ext cx="6097227" cy="2142331"/>
+          </a:xfrm>
+          <a:prstGeom prst="rect">
+            <a:avLst/>
+          </a:prstGeom>
+          <a:noFill/>
+          <a:ln w="9525">
+            <a:noFill/>
+            <a:miter lim="800000"/>
+            <a:headEnd/>
+            <a:tailEnd/>
+          </a:ln>
+          <a:effectLst/>
+        </p:spPr>
+      </p:pic>
+    </p:spTree>
+  </p:cSld>
+  <p:clrMapOvr>
+    <a:masterClrMapping/>
+  </p:clrMapOvr>
+</p:sld>
+</file>
+
+<file path=ppt/slides/slide31.xml><?xml version="1.0" encoding="utf-8"?>
+<p:sld xmlns:a="http://schemas.openxmlformats.org/drawingml/2006/main" xmlns:r="http://schemas.openxmlformats.org/officeDocument/2006/relationships" xmlns:p="http://schemas.openxmlformats.org/presentationml/2006/main">
+  <p:cSld>
+    <p:spTree>
+      <p:nvGrpSpPr>
+        <p:cNvPr id="1" name=""/>
+        <p:cNvGrpSpPr/>
+        <p:nvPr/>
+      </p:nvGrpSpPr>
+      <p:grpSpPr>
+        <a:xfrm>
+          <a:off x="0" y="0"/>
+          <a:ext cx="0" cy="0"/>
+          <a:chOff x="0" y="0"/>
+          <a:chExt cx="0" cy="0"/>
+        </a:xfrm>
+      </p:grpSpPr>
+      <p:sp>
+        <p:nvSpPr>
+          <p:cNvPr id="2" name="Title 1"/>
+          <p:cNvSpPr>
+            <a:spLocks noGrp="1"/>
+          </p:cNvSpPr>
+          <p:nvPr>
+            <p:ph type="title"/>
+          </p:nvPr>
+        </p:nvSpPr>
+        <p:spPr/>
+        <p:txBody>
+          <a:bodyPr/>
+          <a:lstStyle/>
+          <a:p>
+            <a:r>
+              <a:rPr lang="en-US" dirty="0" smtClean="0"/>
+              <a:t>Question</a:t>
+            </a:r>
+            <a:endParaRPr lang="en-US" dirty="0"/>
+          </a:p>
+        </p:txBody>
+      </p:sp>
       <p:sp>
         <p:nvSpPr>
           <p:cNvPr id="4" name="Content Placeholder 3"/>
@@ -5641,89 +5742,6 @@
 </p:sld>
 </file>
 
-<file path=ppt/slides/slide31.xml><?xml version="1.0" encoding="utf-8"?>
-<p:sld xmlns:a="http://schemas.openxmlformats.org/drawingml/2006/main" xmlns:r="http://schemas.openxmlformats.org/officeDocument/2006/relationships" xmlns:p="http://schemas.openxmlformats.org/presentationml/2006/main">
-  <p:cSld>
-    <p:spTree>
-      <p:nvGrpSpPr>
-        <p:cNvPr id="1" name=""/>
-        <p:cNvGrpSpPr/>
-        <p:nvPr/>
-      </p:nvGrpSpPr>
-      <p:grpSpPr>
-        <a:xfrm>
-          <a:off x="0" y="0"/>
-          <a:ext cx="0" cy="0"/>
-          <a:chOff x="0" y="0"/>
-          <a:chExt cx="0" cy="0"/>
-        </a:xfrm>
-      </p:grpSpPr>
-      <p:sp>
-        <p:nvSpPr>
-          <p:cNvPr id="2" name="Title 1"/>
-          <p:cNvSpPr>
-            <a:spLocks noGrp="1"/>
-          </p:cNvSpPr>
-          <p:nvPr>
-            <p:ph type="title"/>
-          </p:nvPr>
-        </p:nvSpPr>
-        <p:spPr/>
-        <p:txBody>
-          <a:bodyPr/>
-          <a:lstStyle/>
-          <a:p>
-            <a:r>
-              <a:rPr lang="en-IN" dirty="0" smtClean="0"/>
-              <a:t>Question</a:t>
-            </a:r>
-            <a:endParaRPr lang="en-US" dirty="0"/>
-          </a:p>
-        </p:txBody>
-      </p:sp>
-      <p:pic>
-        <p:nvPicPr>
-          <p:cNvPr id="9218" name="Picture 2"/>
-          <p:cNvPicPr>
-            <a:picLocks noGrp="1" noChangeAspect="1" noChangeArrowheads="1"/>
-          </p:cNvPicPr>
-          <p:nvPr>
-            <p:ph idx="1"/>
-          </p:nvPr>
-        </p:nvPicPr>
-        <p:blipFill>
-          <a:blip r:embed="rId2"/>
-          <a:srcRect/>
-          <a:stretch>
-            <a:fillRect/>
-          </a:stretch>
-        </p:blipFill>
-        <p:spPr bwMode="auto">
-          <a:xfrm>
-            <a:off x="882423" y="1872319"/>
-            <a:ext cx="6485028" cy="2738869"/>
-          </a:xfrm>
-          <a:prstGeom prst="rect">
-            <a:avLst/>
-          </a:prstGeom>
-          <a:noFill/>
-          <a:ln w="9525">
-            <a:noFill/>
-            <a:miter lim="800000"/>
-            <a:headEnd/>
-            <a:tailEnd/>
-          </a:ln>
-          <a:effectLst/>
-        </p:spPr>
-      </p:pic>
-    </p:spTree>
-  </p:cSld>
-  <p:clrMapOvr>
-    <a:masterClrMapping/>
-  </p:clrMapOvr>
-</p:sld>
-</file>
-
 <file path=ppt/slides/slide32.xml><?xml version="1.0" encoding="utf-8"?>
 <p:sld xmlns:a="http://schemas.openxmlformats.org/drawingml/2006/main" xmlns:r="http://schemas.openxmlformats.org/officeDocument/2006/relationships" xmlns:p="http://schemas.openxmlformats.org/presentationml/2006/main">
   <p:cSld>
@@ -5766,7 +5784,7 @@
       </p:sp>
       <p:pic>
         <p:nvPicPr>
-          <p:cNvPr id="10242" name="Picture 2"/>
+          <p:cNvPr id="9218" name="Picture 2"/>
           <p:cNvPicPr>
             <a:picLocks noGrp="1" noChangeAspect="1" noChangeArrowheads="1"/>
           </p:cNvPicPr>
@@ -5783,8 +5801,8 @@
         </p:blipFill>
         <p:spPr bwMode="auto">
           <a:xfrm>
-            <a:off x="1045845" y="1823062"/>
-            <a:ext cx="8934178" cy="3140824"/>
+            <a:off x="882423" y="1872319"/>
+            <a:ext cx="6485028" cy="2738869"/>
           </a:xfrm>
           <a:prstGeom prst="rect">
             <a:avLst/>
@@ -5849,7 +5867,7 @@
       </p:sp>
       <p:pic>
         <p:nvPicPr>
-          <p:cNvPr id="11266" name="Picture 2"/>
+          <p:cNvPr id="10242" name="Picture 2"/>
           <p:cNvPicPr>
             <a:picLocks noGrp="1" noChangeAspect="1" noChangeArrowheads="1"/>
           </p:cNvPicPr>
@@ -5866,8 +5884,8 @@
         </p:blipFill>
         <p:spPr bwMode="auto">
           <a:xfrm>
-            <a:off x="958623" y="1819116"/>
-            <a:ext cx="7897994" cy="2687569"/>
+            <a:off x="1045845" y="1823062"/>
+            <a:ext cx="8934178" cy="3140824"/>
           </a:xfrm>
           <a:prstGeom prst="rect">
             <a:avLst/>
@@ -5923,7 +5941,7 @@
           <a:lstStyle/>
           <a:p>
             <a:r>
-              <a:rPr lang="en-US" dirty="0" smtClean="0"/>
+              <a:rPr lang="en-IN" dirty="0" smtClean="0"/>
               <a:t>Question</a:t>
             </a:r>
             <a:endParaRPr lang="en-US" dirty="0"/>
@@ -5932,7 +5950,7 @@
       </p:sp>
       <p:pic>
         <p:nvPicPr>
-          <p:cNvPr id="61442" name="Picture 2"/>
+          <p:cNvPr id="11266" name="Picture 2"/>
           <p:cNvPicPr>
             <a:picLocks noGrp="1" noChangeAspect="1" noChangeArrowheads="1"/>
           </p:cNvPicPr>
@@ -5949,8 +5967,8 @@
         </p:blipFill>
         <p:spPr bwMode="auto">
           <a:xfrm>
-            <a:off x="1342617" y="1741011"/>
-            <a:ext cx="7331120" cy="2190909"/>
+            <a:off x="958623" y="1819116"/>
+            <a:ext cx="7897994" cy="2687569"/>
           </a:xfrm>
           <a:prstGeom prst="rect">
             <a:avLst/>
@@ -6015,6 +6033,89 @@
       </p:sp>
       <p:pic>
         <p:nvPicPr>
+          <p:cNvPr id="61442" name="Picture 2"/>
+          <p:cNvPicPr>
+            <a:picLocks noGrp="1" noChangeAspect="1" noChangeArrowheads="1"/>
+          </p:cNvPicPr>
+          <p:nvPr>
+            <p:ph idx="1"/>
+          </p:nvPr>
+        </p:nvPicPr>
+        <p:blipFill>
+          <a:blip r:embed="rId2"/>
+          <a:srcRect/>
+          <a:stretch>
+            <a:fillRect/>
+          </a:stretch>
+        </p:blipFill>
+        <p:spPr bwMode="auto">
+          <a:xfrm>
+            <a:off x="1342617" y="1741011"/>
+            <a:ext cx="7331120" cy="2190909"/>
+          </a:xfrm>
+          <a:prstGeom prst="rect">
+            <a:avLst/>
+          </a:prstGeom>
+          <a:noFill/>
+          <a:ln w="9525">
+            <a:noFill/>
+            <a:miter lim="800000"/>
+            <a:headEnd/>
+            <a:tailEnd/>
+          </a:ln>
+          <a:effectLst/>
+        </p:spPr>
+      </p:pic>
+    </p:spTree>
+  </p:cSld>
+  <p:clrMapOvr>
+    <a:masterClrMapping/>
+  </p:clrMapOvr>
+</p:sld>
+</file>
+
+<file path=ppt/slides/slide36.xml><?xml version="1.0" encoding="utf-8"?>
+<p:sld xmlns:a="http://schemas.openxmlformats.org/drawingml/2006/main" xmlns:r="http://schemas.openxmlformats.org/officeDocument/2006/relationships" xmlns:p="http://schemas.openxmlformats.org/presentationml/2006/main">
+  <p:cSld>
+    <p:spTree>
+      <p:nvGrpSpPr>
+        <p:cNvPr id="1" name=""/>
+        <p:cNvGrpSpPr/>
+        <p:nvPr/>
+      </p:nvGrpSpPr>
+      <p:grpSpPr>
+        <a:xfrm>
+          <a:off x="0" y="0"/>
+          <a:ext cx="0" cy="0"/>
+          <a:chOff x="0" y="0"/>
+          <a:chExt cx="0" cy="0"/>
+        </a:xfrm>
+      </p:grpSpPr>
+      <p:sp>
+        <p:nvSpPr>
+          <p:cNvPr id="2" name="Title 1"/>
+          <p:cNvSpPr>
+            <a:spLocks noGrp="1"/>
+          </p:cNvSpPr>
+          <p:nvPr>
+            <p:ph type="title"/>
+          </p:nvPr>
+        </p:nvSpPr>
+        <p:spPr/>
+        <p:txBody>
+          <a:bodyPr/>
+          <a:lstStyle/>
+          <a:p>
+            <a:r>
+              <a:rPr lang="en-US" dirty="0" smtClean="0"/>
+              <a:t>Question</a:t>
+            </a:r>
+            <a:endParaRPr lang="en-US" dirty="0"/>
+          </a:p>
+        </p:txBody>
+      </p:sp>
+      <p:pic>
+        <p:nvPicPr>
           <p:cNvPr id="62466" name="Picture 2"/>
           <p:cNvPicPr>
             <a:picLocks noGrp="1" noChangeAspect="1" noChangeArrowheads="1"/>
@@ -6056,7 +6157,7 @@
 </p:sld>
 </file>
 
-<file path=ppt/slides/slide36.xml><?xml version="1.0" encoding="utf-8"?>
+<file path=ppt/slides/slide37.xml><?xml version="1.0" encoding="utf-8"?>
 <p:sld xmlns:a="http://schemas.openxmlformats.org/drawingml/2006/main" xmlns:r="http://schemas.openxmlformats.org/officeDocument/2006/relationships" xmlns:p="http://schemas.openxmlformats.org/presentationml/2006/main">
   <p:cSld>
     <p:spTree>
@@ -6156,7 +6257,7 @@
 </p:sld>
 </file>
 
-<file path=ppt/slides/slide37.xml><?xml version="1.0" encoding="utf-8"?>
+<file path=ppt/slides/slide38.xml><?xml version="1.0" encoding="utf-8"?>
 <p:sld xmlns:a="http://schemas.openxmlformats.org/drawingml/2006/main" xmlns:r="http://schemas.openxmlformats.org/officeDocument/2006/relationships" xmlns:p="http://schemas.openxmlformats.org/presentationml/2006/main">
   <p:cSld>
     <p:spTree>
@@ -6726,7 +6827,7 @@
     </p:spTree>
     <p:extLst>
       <p:ext uri="{BB962C8B-B14F-4D97-AF65-F5344CB8AC3E}">
-        <p14:creationId xmlns="" xmlns:p14="http://schemas.microsoft.com/office/powerpoint/2010/main" val="1328577666"/>
+        <p14:creationId xmlns:p14="http://schemas.microsoft.com/office/powerpoint/2010/main" xmlns="" val="1328577666"/>
       </p:ext>
     </p:extLst>
   </p:cSld>
@@ -6743,7 +6844,7 @@
 </p:sld>
 </file>
 
-<file path=ppt/slides/slide38.xml><?xml version="1.0" encoding="utf-8"?>
+<file path=ppt/slides/slide39.xml><?xml version="1.0" encoding="utf-8"?>
 <p:sld xmlns:a="http://schemas.openxmlformats.org/drawingml/2006/main" xmlns:r="http://schemas.openxmlformats.org/officeDocument/2006/relationships" xmlns:p="http://schemas.openxmlformats.org/presentationml/2006/main">
   <p:cSld>
     <p:spTree>
@@ -6859,89 +6960,6 @@
 </p:sld>
 </file>
 
-<file path=ppt/slides/slide39.xml><?xml version="1.0" encoding="utf-8"?>
-<p:sld xmlns:a="http://schemas.openxmlformats.org/drawingml/2006/main" xmlns:r="http://schemas.openxmlformats.org/officeDocument/2006/relationships" xmlns:p="http://schemas.openxmlformats.org/presentationml/2006/main">
-  <p:cSld>
-    <p:spTree>
-      <p:nvGrpSpPr>
-        <p:cNvPr id="1" name=""/>
-        <p:cNvGrpSpPr/>
-        <p:nvPr/>
-      </p:nvGrpSpPr>
-      <p:grpSpPr>
-        <a:xfrm>
-          <a:off x="0" y="0"/>
-          <a:ext cx="0" cy="0"/>
-          <a:chOff x="0" y="0"/>
-          <a:chExt cx="0" cy="0"/>
-        </a:xfrm>
-      </p:grpSpPr>
-      <p:sp>
-        <p:nvSpPr>
-          <p:cNvPr id="2" name="Title 1"/>
-          <p:cNvSpPr>
-            <a:spLocks noGrp="1"/>
-          </p:cNvSpPr>
-          <p:nvPr>
-            <p:ph type="title"/>
-          </p:nvPr>
-        </p:nvSpPr>
-        <p:spPr/>
-        <p:txBody>
-          <a:bodyPr/>
-          <a:lstStyle/>
-          <a:p>
-            <a:r>
-              <a:rPr lang="en-IN" dirty="0" smtClean="0"/>
-              <a:t>Question</a:t>
-            </a:r>
-            <a:endParaRPr lang="en-US" dirty="0"/>
-          </a:p>
-        </p:txBody>
-      </p:sp>
-      <p:pic>
-        <p:nvPicPr>
-          <p:cNvPr id="13314" name="Picture 2"/>
-          <p:cNvPicPr>
-            <a:picLocks noGrp="1" noChangeAspect="1" noChangeArrowheads="1"/>
-          </p:cNvPicPr>
-          <p:nvPr>
-            <p:ph idx="1"/>
-          </p:nvPr>
-        </p:nvPicPr>
-        <p:blipFill>
-          <a:blip r:embed="rId2"/>
-          <a:srcRect/>
-          <a:stretch>
-            <a:fillRect/>
-          </a:stretch>
-        </p:blipFill>
-        <p:spPr bwMode="auto">
-          <a:xfrm>
-            <a:off x="1341255" y="1919129"/>
-            <a:ext cx="8286071" cy="2979442"/>
-          </a:xfrm>
-          <a:prstGeom prst="rect">
-            <a:avLst/>
-          </a:prstGeom>
-          <a:noFill/>
-          <a:ln w="9525">
-            <a:noFill/>
-            <a:miter lim="800000"/>
-            <a:headEnd/>
-            <a:tailEnd/>
-          </a:ln>
-          <a:effectLst/>
-        </p:spPr>
-      </p:pic>
-    </p:spTree>
-  </p:cSld>
-  <p:clrMapOvr>
-    <a:masterClrMapping/>
-  </p:clrMapOvr>
-</p:sld>
-</file>
-
 <file path=ppt/slides/slide4.xml><?xml version="1.0" encoding="utf-8"?>
 <p:sld xmlns:a="http://schemas.openxmlformats.org/drawingml/2006/main" xmlns:r="http://schemas.openxmlformats.org/officeDocument/2006/relationships" xmlns:p="http://schemas.openxmlformats.org/presentationml/2006/main">
   <p:cSld>
@@ -6975,8 +6993,8 @@
           <a:lstStyle/>
           <a:p>
             <a:r>
-              <a:rPr lang="en-US" dirty="0" smtClean="0"/>
-              <a:t>Question</a:t>
+              <a:rPr lang="en-IN" dirty="0" smtClean="0"/>
+              <a:t>Anchor tag with image</a:t>
             </a:r>
             <a:endParaRPr lang="en-US" dirty="0"/>
           </a:p>
@@ -6984,7 +7002,7 @@
       </p:sp>
       <p:pic>
         <p:nvPicPr>
-          <p:cNvPr id="52226" name="Picture 2"/>
+          <p:cNvPr id="2050" name="Picture 2"/>
           <p:cNvPicPr>
             <a:picLocks noGrp="1" noChangeAspect="1" noChangeArrowheads="1"/>
           </p:cNvPicPr>
@@ -7001,8 +7019,8 @@
         </p:blipFill>
         <p:spPr bwMode="auto">
           <a:xfrm>
-            <a:off x="1564822" y="2015739"/>
-            <a:ext cx="6455772" cy="2386443"/>
+            <a:off x="717777" y="1618411"/>
+            <a:ext cx="10777538" cy="2496389"/>
           </a:xfrm>
           <a:prstGeom prst="rect">
             <a:avLst/>
@@ -7067,7 +7085,7 @@
       </p:sp>
       <p:pic>
         <p:nvPicPr>
-          <p:cNvPr id="14338" name="Picture 2"/>
+          <p:cNvPr id="13314" name="Picture 2"/>
           <p:cNvPicPr>
             <a:picLocks noGrp="1" noChangeAspect="1" noChangeArrowheads="1"/>
           </p:cNvPicPr>
@@ -7084,8 +7102,8 @@
         </p:blipFill>
         <p:spPr bwMode="auto">
           <a:xfrm>
-            <a:off x="1014005" y="2081461"/>
-            <a:ext cx="8665572" cy="2764859"/>
+            <a:off x="1341255" y="1919129"/>
+            <a:ext cx="8286071" cy="2979442"/>
           </a:xfrm>
           <a:prstGeom prst="rect">
             <a:avLst/>
@@ -7150,7 +7168,7 @@
       </p:sp>
       <p:pic>
         <p:nvPicPr>
-          <p:cNvPr id="15362" name="Picture 2"/>
+          <p:cNvPr id="14338" name="Picture 2"/>
           <p:cNvPicPr>
             <a:picLocks noGrp="1" noChangeAspect="1" noChangeArrowheads="1"/>
           </p:cNvPicPr>
@@ -7167,8 +7185,8 @@
         </p:blipFill>
         <p:spPr bwMode="auto">
           <a:xfrm>
-            <a:off x="1626596" y="2335916"/>
-            <a:ext cx="5962923" cy="1230244"/>
+            <a:off x="1014005" y="2081461"/>
+            <a:ext cx="8665572" cy="2764859"/>
           </a:xfrm>
           <a:prstGeom prst="rect">
             <a:avLst/>
@@ -7233,7 +7251,7 @@
       </p:sp>
       <p:pic>
         <p:nvPicPr>
-          <p:cNvPr id="16386" name="Picture 2"/>
+          <p:cNvPr id="15362" name="Picture 2"/>
           <p:cNvPicPr>
             <a:picLocks noGrp="1" noChangeAspect="1" noChangeArrowheads="1"/>
           </p:cNvPicPr>
@@ -7250,8 +7268,8 @@
         </p:blipFill>
         <p:spPr bwMode="auto">
           <a:xfrm>
-            <a:off x="1155110" y="1833538"/>
-            <a:ext cx="6538913" cy="1797935"/>
+            <a:off x="1626596" y="2335916"/>
+            <a:ext cx="5962923" cy="1230244"/>
           </a:xfrm>
           <a:prstGeom prst="rect">
             <a:avLst/>
@@ -7316,7 +7334,7 @@
       </p:sp>
       <p:pic>
         <p:nvPicPr>
-          <p:cNvPr id="17410" name="Picture 2"/>
+          <p:cNvPr id="16386" name="Picture 2"/>
           <p:cNvPicPr>
             <a:picLocks noGrp="1" noChangeAspect="1" noChangeArrowheads="1"/>
           </p:cNvPicPr>
@@ -7333,8 +7351,8 @@
         </p:blipFill>
         <p:spPr bwMode="auto">
           <a:xfrm>
-            <a:off x="1291998" y="1928653"/>
-            <a:ext cx="7682185" cy="1546067"/>
+            <a:off x="1155110" y="1833538"/>
+            <a:ext cx="6538913" cy="1797935"/>
           </a:xfrm>
           <a:prstGeom prst="rect">
             <a:avLst/>
@@ -7399,6 +7417,89 @@
       </p:sp>
       <p:pic>
         <p:nvPicPr>
+          <p:cNvPr id="17410" name="Picture 2"/>
+          <p:cNvPicPr>
+            <a:picLocks noGrp="1" noChangeAspect="1" noChangeArrowheads="1"/>
+          </p:cNvPicPr>
+          <p:nvPr>
+            <p:ph idx="1"/>
+          </p:nvPr>
+        </p:nvPicPr>
+        <p:blipFill>
+          <a:blip r:embed="rId2"/>
+          <a:srcRect/>
+          <a:stretch>
+            <a:fillRect/>
+          </a:stretch>
+        </p:blipFill>
+        <p:spPr bwMode="auto">
+          <a:xfrm>
+            <a:off x="1291998" y="1928653"/>
+            <a:ext cx="7682185" cy="1546067"/>
+          </a:xfrm>
+          <a:prstGeom prst="rect">
+            <a:avLst/>
+          </a:prstGeom>
+          <a:noFill/>
+          <a:ln w="9525">
+            <a:noFill/>
+            <a:miter lim="800000"/>
+            <a:headEnd/>
+            <a:tailEnd/>
+          </a:ln>
+          <a:effectLst/>
+        </p:spPr>
+      </p:pic>
+    </p:spTree>
+  </p:cSld>
+  <p:clrMapOvr>
+    <a:masterClrMapping/>
+  </p:clrMapOvr>
+</p:sld>
+</file>
+
+<file path=ppt/slides/slide45.xml><?xml version="1.0" encoding="utf-8"?>
+<p:sld xmlns:a="http://schemas.openxmlformats.org/drawingml/2006/main" xmlns:r="http://schemas.openxmlformats.org/officeDocument/2006/relationships" xmlns:p="http://schemas.openxmlformats.org/presentationml/2006/main">
+  <p:cSld>
+    <p:spTree>
+      <p:nvGrpSpPr>
+        <p:cNvPr id="1" name=""/>
+        <p:cNvGrpSpPr/>
+        <p:nvPr/>
+      </p:nvGrpSpPr>
+      <p:grpSpPr>
+        <a:xfrm>
+          <a:off x="0" y="0"/>
+          <a:ext cx="0" cy="0"/>
+          <a:chOff x="0" y="0"/>
+          <a:chExt cx="0" cy="0"/>
+        </a:xfrm>
+      </p:grpSpPr>
+      <p:sp>
+        <p:nvSpPr>
+          <p:cNvPr id="2" name="Title 1"/>
+          <p:cNvSpPr>
+            <a:spLocks noGrp="1"/>
+          </p:cNvSpPr>
+          <p:nvPr>
+            <p:ph type="title"/>
+          </p:nvPr>
+        </p:nvSpPr>
+        <p:spPr/>
+        <p:txBody>
+          <a:bodyPr/>
+          <a:lstStyle/>
+          <a:p>
+            <a:r>
+              <a:rPr lang="en-IN" dirty="0" smtClean="0"/>
+              <a:t>Question</a:t>
+            </a:r>
+            <a:endParaRPr lang="en-US" dirty="0"/>
+          </a:p>
+        </p:txBody>
+      </p:sp>
+      <p:pic>
+        <p:nvPicPr>
           <p:cNvPr id="18434" name="Picture 2"/>
           <p:cNvPicPr>
             <a:picLocks noGrp="1" noChangeAspect="1" noChangeArrowheads="1"/>
@@ -7440,7 +7541,7 @@
 </p:sld>
 </file>
 
-<file path=ppt/slides/slide45.xml><?xml version="1.0" encoding="utf-8"?>
+<file path=ppt/slides/slide46.xml><?xml version="1.0" encoding="utf-8"?>
 <p:sld xmlns:a="http://schemas.openxmlformats.org/drawingml/2006/main" xmlns:r="http://schemas.openxmlformats.org/officeDocument/2006/relationships" xmlns:p="http://schemas.openxmlformats.org/presentationml/2006/main">
   <p:cSld>
     <p:spTree>
@@ -7540,7 +7641,7 @@
 </p:sld>
 </file>
 
-<file path=ppt/slides/slide46.xml><?xml version="1.0" encoding="utf-8"?>
+<file path=ppt/slides/slide47.xml><?xml version="1.0" encoding="utf-8"?>
 <p:sld xmlns:a="http://schemas.openxmlformats.org/drawingml/2006/main" xmlns:r="http://schemas.openxmlformats.org/officeDocument/2006/relationships" xmlns:p="http://schemas.openxmlformats.org/presentationml/2006/main">
   <p:cSld>
     <p:spTree>
@@ -7663,6 +7764,89 @@
           </a:p>
         </p:txBody>
       </p:sp>
+      <p:pic>
+        <p:nvPicPr>
+          <p:cNvPr id="52226" name="Picture 2"/>
+          <p:cNvPicPr>
+            <a:picLocks noGrp="1" noChangeAspect="1" noChangeArrowheads="1"/>
+          </p:cNvPicPr>
+          <p:nvPr>
+            <p:ph idx="1"/>
+          </p:nvPr>
+        </p:nvPicPr>
+        <p:blipFill>
+          <a:blip r:embed="rId2"/>
+          <a:srcRect/>
+          <a:stretch>
+            <a:fillRect/>
+          </a:stretch>
+        </p:blipFill>
+        <p:spPr bwMode="auto">
+          <a:xfrm>
+            <a:off x="1564822" y="2015739"/>
+            <a:ext cx="6455772" cy="2386443"/>
+          </a:xfrm>
+          <a:prstGeom prst="rect">
+            <a:avLst/>
+          </a:prstGeom>
+          <a:noFill/>
+          <a:ln w="9525">
+            <a:noFill/>
+            <a:miter lim="800000"/>
+            <a:headEnd/>
+            <a:tailEnd/>
+          </a:ln>
+          <a:effectLst/>
+        </p:spPr>
+      </p:pic>
+    </p:spTree>
+  </p:cSld>
+  <p:clrMapOvr>
+    <a:masterClrMapping/>
+  </p:clrMapOvr>
+</p:sld>
+</file>
+
+<file path=ppt/slides/slide6.xml><?xml version="1.0" encoding="utf-8"?>
+<p:sld xmlns:a="http://schemas.openxmlformats.org/drawingml/2006/main" xmlns:r="http://schemas.openxmlformats.org/officeDocument/2006/relationships" xmlns:p="http://schemas.openxmlformats.org/presentationml/2006/main">
+  <p:cSld>
+    <p:spTree>
+      <p:nvGrpSpPr>
+        <p:cNvPr id="1" name=""/>
+        <p:cNvGrpSpPr/>
+        <p:nvPr/>
+      </p:nvGrpSpPr>
+      <p:grpSpPr>
+        <a:xfrm>
+          <a:off x="0" y="0"/>
+          <a:ext cx="0" cy="0"/>
+          <a:chOff x="0" y="0"/>
+          <a:chExt cx="0" cy="0"/>
+        </a:xfrm>
+      </p:grpSpPr>
+      <p:sp>
+        <p:nvSpPr>
+          <p:cNvPr id="2" name="Title 1"/>
+          <p:cNvSpPr>
+            <a:spLocks noGrp="1"/>
+          </p:cNvSpPr>
+          <p:nvPr>
+            <p:ph type="title"/>
+          </p:nvPr>
+        </p:nvSpPr>
+        <p:spPr/>
+        <p:txBody>
+          <a:bodyPr/>
+          <a:lstStyle/>
+          <a:p>
+            <a:r>
+              <a:rPr lang="en-US" dirty="0" smtClean="0"/>
+              <a:t>Question</a:t>
+            </a:r>
+            <a:endParaRPr lang="en-US" dirty="0"/>
+          </a:p>
+        </p:txBody>
+      </p:sp>
       <p:sp>
         <p:nvSpPr>
           <p:cNvPr id="3" name="Content Placeholder 2"/>
@@ -7723,89 +7907,6 @@
 </p:sld>
 </file>
 
-<file path=ppt/slides/slide6.xml><?xml version="1.0" encoding="utf-8"?>
-<p:sld xmlns:a="http://schemas.openxmlformats.org/drawingml/2006/main" xmlns:r="http://schemas.openxmlformats.org/officeDocument/2006/relationships" xmlns:p="http://schemas.openxmlformats.org/presentationml/2006/main">
-  <p:cSld>
-    <p:spTree>
-      <p:nvGrpSpPr>
-        <p:cNvPr id="1" name=""/>
-        <p:cNvGrpSpPr/>
-        <p:nvPr/>
-      </p:nvGrpSpPr>
-      <p:grpSpPr>
-        <a:xfrm>
-          <a:off x="0" y="0"/>
-          <a:ext cx="0" cy="0"/>
-          <a:chOff x="0" y="0"/>
-          <a:chExt cx="0" cy="0"/>
-        </a:xfrm>
-      </p:grpSpPr>
-      <p:sp>
-        <p:nvSpPr>
-          <p:cNvPr id="2" name="Title 1"/>
-          <p:cNvSpPr>
-            <a:spLocks noGrp="1"/>
-          </p:cNvSpPr>
-          <p:nvPr>
-            <p:ph type="title"/>
-          </p:nvPr>
-        </p:nvSpPr>
-        <p:spPr/>
-        <p:txBody>
-          <a:bodyPr/>
-          <a:lstStyle/>
-          <a:p>
-            <a:r>
-              <a:rPr lang="en-US" dirty="0" smtClean="0"/>
-              <a:t>Question</a:t>
-            </a:r>
-            <a:endParaRPr lang="en-US" dirty="0"/>
-          </a:p>
-        </p:txBody>
-      </p:sp>
-      <p:pic>
-        <p:nvPicPr>
-          <p:cNvPr id="54274" name="Picture 2"/>
-          <p:cNvPicPr>
-            <a:picLocks noGrp="1" noChangeAspect="1" noChangeArrowheads="1"/>
-          </p:cNvPicPr>
-          <p:nvPr>
-            <p:ph idx="1"/>
-          </p:nvPr>
-        </p:nvPicPr>
-        <p:blipFill>
-          <a:blip r:embed="rId2"/>
-          <a:srcRect/>
-          <a:stretch>
-            <a:fillRect/>
-          </a:stretch>
-        </p:blipFill>
-        <p:spPr bwMode="auto">
-          <a:xfrm>
-            <a:off x="927464" y="2011680"/>
-            <a:ext cx="7754574" cy="3566001"/>
-          </a:xfrm>
-          <a:prstGeom prst="rect">
-            <a:avLst/>
-          </a:prstGeom>
-          <a:noFill/>
-          <a:ln w="9525">
-            <a:noFill/>
-            <a:miter lim="800000"/>
-            <a:headEnd/>
-            <a:tailEnd/>
-          </a:ln>
-          <a:effectLst/>
-        </p:spPr>
-      </p:pic>
-    </p:spTree>
-  </p:cSld>
-  <p:clrMapOvr>
-    <a:masterClrMapping/>
-  </p:clrMapOvr>
-</p:sld>
-</file>
-
 <file path=ppt/slides/slide7.xml><?xml version="1.0" encoding="utf-8"?>
 <p:sld xmlns:a="http://schemas.openxmlformats.org/drawingml/2006/main" xmlns:r="http://schemas.openxmlformats.org/officeDocument/2006/relationships" xmlns:p="http://schemas.openxmlformats.org/presentationml/2006/main">
   <p:cSld>
@@ -7848,7 +7949,7 @@
       </p:sp>
       <p:pic>
         <p:nvPicPr>
-          <p:cNvPr id="55298" name="Picture 2"/>
+          <p:cNvPr id="54274" name="Picture 2"/>
           <p:cNvPicPr>
             <a:picLocks noGrp="1" noChangeAspect="1" noChangeArrowheads="1"/>
           </p:cNvPicPr>
@@ -7865,8 +7966,8 @@
         </p:blipFill>
         <p:spPr bwMode="auto">
           <a:xfrm>
-            <a:off x="1084217" y="1867989"/>
-            <a:ext cx="7535908" cy="3827417"/>
+            <a:off x="927464" y="2011680"/>
+            <a:ext cx="7754574" cy="3566001"/>
           </a:xfrm>
           <a:prstGeom prst="rect">
             <a:avLst/>
@@ -7931,7 +8032,7 @@
       </p:sp>
       <p:pic>
         <p:nvPicPr>
-          <p:cNvPr id="56322" name="Picture 2"/>
+          <p:cNvPr id="55298" name="Picture 2"/>
           <p:cNvPicPr>
             <a:picLocks noGrp="1" noChangeAspect="1" noChangeArrowheads="1"/>
           </p:cNvPicPr>
@@ -7948,8 +8049,8 @@
         </p:blipFill>
         <p:spPr bwMode="auto">
           <a:xfrm>
-            <a:off x="796834" y="1750424"/>
-            <a:ext cx="9170126" cy="3922508"/>
+            <a:off x="1084217" y="1867989"/>
+            <a:ext cx="7535908" cy="3827417"/>
           </a:xfrm>
           <a:prstGeom prst="rect">
             <a:avLst/>
@@ -8012,32 +8113,15 @@
           </a:p>
         </p:txBody>
       </p:sp>
-      <p:sp>
-        <p:nvSpPr>
-          <p:cNvPr id="3" name="Content Placeholder 2"/>
-          <p:cNvSpPr>
-            <a:spLocks noGrp="1"/>
-          </p:cNvSpPr>
-          <p:nvPr>
-            <p:ph idx="1"/>
-          </p:nvPr>
-        </p:nvSpPr>
-        <p:spPr/>
-        <p:txBody>
-          <a:bodyPr/>
-          <a:lstStyle/>
-          <a:p>
-            <a:endParaRPr lang="en-US"/>
-          </a:p>
-        </p:txBody>
-      </p:sp>
       <p:pic>
         <p:nvPicPr>
-          <p:cNvPr id="57346" name="Picture 2"/>
+          <p:cNvPr id="56322" name="Picture 2"/>
           <p:cNvPicPr>
-            <a:picLocks noChangeAspect="1" noChangeArrowheads="1"/>
+            <a:picLocks noGrp="1" noChangeAspect="1" noChangeArrowheads="1"/>
           </p:cNvPicPr>
-          <p:nvPr/>
+          <p:nvPr>
+            <p:ph idx="1"/>
+          </p:nvPr>
         </p:nvPicPr>
         <p:blipFill>
           <a:blip r:embed="rId2"/>
@@ -8048,8 +8132,8 @@
         </p:blipFill>
         <p:spPr bwMode="auto">
           <a:xfrm>
-            <a:off x="685800" y="1800496"/>
-            <a:ext cx="8327572" cy="3725092"/>
+            <a:off x="796834" y="1750424"/>
+            <a:ext cx="9170126" cy="3922508"/>
           </a:xfrm>
           <a:prstGeom prst="rect">
             <a:avLst/>
@@ -8327,7 +8411,7 @@
   <a:extraClrSchemeLst/>
   <a:extLst>
     <a:ext uri="{05A4C25C-085E-4340-85A3-A5531E510DB2}">
-      <thm15:themeFamily xmlns:thm15="http://schemas.microsoft.com/office/thememl/2012/main" xmlns="" name="Office Theme" id="{62F939B6-93AF-4DB8-9C6B-D6C7DFDC589F}" vid="{4A3C46E8-61CC-4603-A589-7422A47A8E4A}"/>
+      <thm15:themeFamily xmlns="" xmlns:thm15="http://schemas.microsoft.com/office/thememl/2012/main" name="Office Theme" id="{62F939B6-93AF-4DB8-9C6B-D6C7DFDC589F}" vid="{4A3C46E8-61CC-4603-A589-7422A47A8E4A}"/>
     </a:ext>
   </a:extLst>
 </a:theme>
